--- a/docs/songs_23-01-2022-2.pptx
+++ b/docs/songs_23-01-2022-2.pptx
@@ -27,20 +27,23 @@
     <p:sldId id="512" r:id="rId21"/>
     <p:sldId id="514" r:id="rId22"/>
     <p:sldId id="533" r:id="rId23"/>
-    <p:sldId id="534" r:id="rId24"/>
-    <p:sldId id="527" r:id="rId25"/>
-    <p:sldId id="404" r:id="rId26"/>
-    <p:sldId id="387" r:id="rId27"/>
-    <p:sldId id="403" r:id="rId28"/>
-    <p:sldId id="528" r:id="rId29"/>
-    <p:sldId id="529" r:id="rId30"/>
-    <p:sldId id="423" r:id="rId31"/>
-    <p:sldId id="424" r:id="rId32"/>
-    <p:sldId id="425" r:id="rId33"/>
-    <p:sldId id="426" r:id="rId34"/>
-    <p:sldId id="515" r:id="rId35"/>
-    <p:sldId id="525" r:id="rId36"/>
-    <p:sldId id="526" r:id="rId37"/>
+    <p:sldId id="537" r:id="rId24"/>
+    <p:sldId id="536" r:id="rId25"/>
+    <p:sldId id="534" r:id="rId26"/>
+    <p:sldId id="535" r:id="rId27"/>
+    <p:sldId id="527" r:id="rId28"/>
+    <p:sldId id="404" r:id="rId29"/>
+    <p:sldId id="387" r:id="rId30"/>
+    <p:sldId id="403" r:id="rId31"/>
+    <p:sldId id="528" r:id="rId32"/>
+    <p:sldId id="529" r:id="rId33"/>
+    <p:sldId id="423" r:id="rId34"/>
+    <p:sldId id="424" r:id="rId35"/>
+    <p:sldId id="425" r:id="rId36"/>
+    <p:sldId id="426" r:id="rId37"/>
+    <p:sldId id="515" r:id="rId38"/>
+    <p:sldId id="525" r:id="rId39"/>
+    <p:sldId id="526" r:id="rId40"/>
   </p:sldIdLst>
   <p:sldSz cx="9144000" cy="6858000" type="screen4x3"/>
   <p:notesSz cx="6858000" cy="9144000"/>
@@ -5305,10 +5308,56 @@
           <a:chExt cx="0" cy="0"/>
         </a:xfrm>
       </p:grpSpPr>
+      <p:pic>
+        <p:nvPicPr>
+          <p:cNvPr id="3076" name="Picture 4" descr="Hertford St Andrew : Notices">
+            <a:extLst>
+              <a:ext uri="{FF2B5EF4-FFF2-40B4-BE49-F238E27FC236}">
+                <a16:creationId xmlns:a16="http://schemas.microsoft.com/office/drawing/2014/main" id="{06066A83-1643-47C1-85D2-C0293A54755B}"/>
+              </a:ext>
+            </a:extLst>
+          </p:cNvPr>
+          <p:cNvPicPr>
+            <a:picLocks noChangeAspect="1" noChangeArrowheads="1"/>
+          </p:cNvPicPr>
+          <p:nvPr/>
+        </p:nvPicPr>
+        <p:blipFill>
+          <a:blip r:embed="rId2">
+            <a:extLst>
+              <a:ext uri="{28A0092B-C50C-407E-A947-70E740481C1C}">
+                <a14:useLocalDpi xmlns:a14="http://schemas.microsoft.com/office/drawing/2010/main" val="0"/>
+              </a:ext>
+            </a:extLst>
+          </a:blip>
+          <a:stretch>
+            <a:fillRect/>
+          </a:stretch>
+        </p:blipFill>
+        <p:spPr bwMode="auto">
+          <a:xfrm>
+            <a:off x="200025" y="1916832"/>
+            <a:ext cx="8743950" cy="2907363"/>
+          </a:xfrm>
+          <a:prstGeom prst="rect">
+            <a:avLst/>
+          </a:prstGeom>
+          <a:noFill/>
+          <a:extLst>
+            <a:ext uri="{909E8E84-426E-40DD-AFC4-6F175D3DCCD1}">
+              <a14:hiddenFill xmlns:a14="http://schemas.microsoft.com/office/drawing/2010/main">
+                <a:solidFill>
+                  <a:srgbClr val="FFFFFF"/>
+                </a:solidFill>
+              </a14:hiddenFill>
+            </a:ext>
+          </a:extLst>
+        </p:spPr>
+      </p:pic>
     </p:spTree>
     <p:extLst>
       <p:ext uri="{BB962C8B-B14F-4D97-AF65-F5344CB8AC3E}">
-        <p14:creationId xmlns:p14="http://schemas.microsoft.com/office/powerpoint/2010/main" val="3845474234"/>
+        <p14:creationId xmlns:p14="http://schemas.microsoft.com/office/powerpoint/2010/main" val="2827656860"/>
       </p:ext>
     </p:extLst>
   </p:cSld>
@@ -5335,121 +5384,46 @@
           <a:chExt cx="0" cy="0"/>
         </a:xfrm>
       </p:grpSpPr>
-      <p:sp>
-        <p:nvSpPr>
-          <p:cNvPr id="3" name="Subtitle 2"/>
-          <p:cNvSpPr>
-            <a:spLocks noGrp="1"/>
-          </p:cNvSpPr>
-          <p:nvPr>
-            <p:ph type="subTitle" idx="1"/>
-          </p:nvPr>
-        </p:nvSpPr>
+      <p:pic>
+        <p:nvPicPr>
+          <p:cNvPr id="3" name="Picture 2" descr="Graphical user interface, application&#10;&#10;Description automatically generated">
+            <a:extLst>
+              <a:ext uri="{FF2B5EF4-FFF2-40B4-BE49-F238E27FC236}">
+                <a16:creationId xmlns:a16="http://schemas.microsoft.com/office/drawing/2014/main" id="{5B99E9C2-6CED-4D50-8D20-055CD2B113E7}"/>
+              </a:ext>
+            </a:extLst>
+          </p:cNvPr>
+          <p:cNvPicPr>
+            <a:picLocks noChangeAspect="1"/>
+          </p:cNvPicPr>
+          <p:nvPr/>
+        </p:nvPicPr>
+        <p:blipFill>
+          <a:blip r:embed="rId2">
+            <a:extLst>
+              <a:ext uri="{28A0092B-C50C-407E-A947-70E740481C1C}">
+                <a14:useLocalDpi xmlns:a14="http://schemas.microsoft.com/office/drawing/2010/main" val="0"/>
+              </a:ext>
+            </a:extLst>
+          </a:blip>
+          <a:stretch>
+            <a:fillRect/>
+          </a:stretch>
+        </p:blipFill>
         <p:spPr>
           <a:xfrm>
-            <a:off x="323528" y="188640"/>
-            <a:ext cx="8640960" cy="6480720"/>
+            <a:off x="0" y="857250"/>
+            <a:ext cx="9144000" cy="5143500"/>
           </a:xfrm>
+          <a:prstGeom prst="rect">
+            <a:avLst/>
+          </a:prstGeom>
         </p:spPr>
-        <p:txBody>
-          <a:bodyPr>
-            <a:noAutofit/>
-          </a:bodyPr>
-          <a:lstStyle/>
-          <a:p>
-            <a:r>
-              <a:rPr lang="en-GB" sz="9600" dirty="0">
-                <a:solidFill>
-                  <a:schemeClr val="bg1"/>
-                </a:solidFill>
-              </a:rPr>
-              <a:t>Jesus at the </a:t>
-            </a:r>
-            <a:r>
-              <a:rPr lang="en-GB" sz="9600" dirty="0" err="1">
-                <a:solidFill>
-                  <a:schemeClr val="bg1"/>
-                </a:solidFill>
-              </a:rPr>
-              <a:t>Center</a:t>
-            </a:r>
-            <a:endParaRPr lang="en-GB" sz="9600" dirty="0">
-              <a:solidFill>
-                <a:schemeClr val="bg1"/>
-              </a:solidFill>
-            </a:endParaRPr>
-          </a:p>
-          <a:p>
-            <a:r>
-              <a:rPr lang="en-GB" sz="1200" dirty="0"/>
-              <a:t>CCLI Song # 6115180</a:t>
-            </a:r>
-          </a:p>
-          <a:p>
-            <a:endParaRPr lang="en-GB" sz="1200" dirty="0"/>
-          </a:p>
-          <a:p>
-            <a:r>
-              <a:rPr lang="en-GB" sz="1200" dirty="0"/>
-              <a:t>Adam Ranney | Israel Houghton | Micah Massey</a:t>
-            </a:r>
-          </a:p>
-          <a:p>
-            <a:endParaRPr lang="en-GB" sz="1200" dirty="0"/>
-          </a:p>
-          <a:p>
-            <a:r>
-              <a:rPr lang="en-GB" sz="1200" dirty="0"/>
-              <a:t>© 2011 Integrity Worship Music (Admin. by Integrity Music Ltd)</a:t>
-            </a:r>
-          </a:p>
-          <a:p>
-            <a:r>
-              <a:rPr lang="en-GB" sz="1200" dirty="0"/>
-              <a:t>Integrity's Praise! Music (Admin. by Integrity Music Ltd)</a:t>
-            </a:r>
-          </a:p>
-          <a:p>
-            <a:r>
-              <a:rPr lang="en-GB" sz="1200" dirty="0"/>
-              <a:t>Sound Of The New Breed (Admin. by Integrity Music Ltd)</a:t>
-            </a:r>
-          </a:p>
-          <a:p>
-            <a:r>
-              <a:rPr lang="en-GB" sz="1200" dirty="0"/>
-              <a:t>Heart Anthem Music (Admin. by Song Solutions www.songsolutions.org)</a:t>
-            </a:r>
-          </a:p>
-          <a:p>
-            <a:r>
-              <a:rPr lang="en-GB" sz="1200" dirty="0"/>
-              <a:t>For use solely with the </a:t>
-            </a:r>
-            <a:r>
-              <a:rPr lang="en-GB" sz="1200" dirty="0" err="1"/>
-              <a:t>SongSelect</a:t>
-            </a:r>
-            <a:r>
-              <a:rPr lang="en-GB" sz="1200" dirty="0"/>
-              <a:t>® Terms of Use. All rights reserved. www.ccli.com</a:t>
-            </a:r>
-          </a:p>
-          <a:p>
-            <a:endParaRPr lang="en-GB" sz="1200" dirty="0"/>
-          </a:p>
-          <a:p>
-            <a:r>
-              <a:rPr lang="en-GB" sz="1200" dirty="0"/>
-              <a:t>CCLI Licence No. 33265</a:t>
-            </a:r>
-          </a:p>
-        </p:txBody>
-      </p:sp>
+      </p:pic>
     </p:spTree>
     <p:extLst>
       <p:ext uri="{BB962C8B-B14F-4D97-AF65-F5344CB8AC3E}">
-        <p14:creationId xmlns:p14="http://schemas.microsoft.com/office/powerpoint/2010/main" val="563154322"/>
+        <p14:creationId xmlns:p14="http://schemas.microsoft.com/office/powerpoint/2010/main" val="3888649292"/>
       </p:ext>
     </p:extLst>
   </p:cSld>
@@ -5476,151 +5450,10 @@
           <a:chExt cx="0" cy="0"/>
         </a:xfrm>
       </p:grpSpPr>
-      <p:sp>
-        <p:nvSpPr>
-          <p:cNvPr id="3" name="Subtitle 2"/>
-          <p:cNvSpPr>
-            <a:spLocks noGrp="1"/>
-          </p:cNvSpPr>
-          <p:nvPr>
-            <p:ph type="subTitle" idx="1"/>
-          </p:nvPr>
-        </p:nvSpPr>
-        <p:spPr>
-          <a:xfrm>
-            <a:off x="323528" y="0"/>
-            <a:ext cx="8640960" cy="6669360"/>
-          </a:xfrm>
-        </p:spPr>
-        <p:txBody>
-          <a:bodyPr>
-            <a:noAutofit/>
-          </a:bodyPr>
-          <a:lstStyle/>
-          <a:p>
-            <a:r>
-              <a:rPr lang="en-GB" sz="5400" dirty="0">
-                <a:solidFill>
-                  <a:schemeClr val="bg1"/>
-                </a:solidFill>
-              </a:rPr>
-              <a:t>Jesus at the </a:t>
-            </a:r>
-            <a:r>
-              <a:rPr lang="en-GB" sz="5400" dirty="0" err="1">
-                <a:solidFill>
-                  <a:schemeClr val="bg1"/>
-                </a:solidFill>
-              </a:rPr>
-              <a:t>center</a:t>
-            </a:r>
-            <a:r>
-              <a:rPr lang="en-GB" sz="5400" dirty="0">
-                <a:solidFill>
-                  <a:schemeClr val="bg1"/>
-                </a:solidFill>
-              </a:rPr>
-              <a:t> of it all</a:t>
-            </a:r>
-          </a:p>
-          <a:p>
-            <a:r>
-              <a:rPr lang="en-GB" sz="5400" dirty="0">
-                <a:solidFill>
-                  <a:schemeClr val="bg1"/>
-                </a:solidFill>
-              </a:rPr>
-              <a:t>Jesus at the </a:t>
-            </a:r>
-            <a:r>
-              <a:rPr lang="en-GB" sz="5400" dirty="0" err="1">
-                <a:solidFill>
-                  <a:schemeClr val="bg1"/>
-                </a:solidFill>
-              </a:rPr>
-              <a:t>center</a:t>
-            </a:r>
-            <a:r>
-              <a:rPr lang="en-GB" sz="5400" dirty="0">
-                <a:solidFill>
-                  <a:schemeClr val="bg1"/>
-                </a:solidFill>
-              </a:rPr>
-              <a:t> of it all</a:t>
-            </a:r>
-          </a:p>
-          <a:p>
-            <a:r>
-              <a:rPr lang="en-GB" sz="5400" dirty="0">
-                <a:solidFill>
-                  <a:schemeClr val="bg1"/>
-                </a:solidFill>
-              </a:rPr>
-              <a:t>From beginning to the end</a:t>
-            </a:r>
-          </a:p>
-          <a:p>
-            <a:r>
-              <a:rPr lang="en-GB" sz="5400" dirty="0">
-                <a:solidFill>
-                  <a:schemeClr val="bg1"/>
-                </a:solidFill>
-              </a:rPr>
-              <a:t>It will always be it's always been You Jesus </a:t>
-            </a:r>
-            <a:r>
-              <a:rPr lang="en-GB" sz="5400" dirty="0" err="1">
-                <a:solidFill>
-                  <a:schemeClr val="bg1"/>
-                </a:solidFill>
-              </a:rPr>
-              <a:t>Jesus</a:t>
-            </a:r>
-            <a:endParaRPr lang="en-GB" sz="5400" dirty="0">
-              <a:solidFill>
-                <a:schemeClr val="bg1"/>
-              </a:solidFill>
-            </a:endParaRPr>
-          </a:p>
-        </p:txBody>
-      </p:sp>
-      <p:sp>
-        <p:nvSpPr>
-          <p:cNvPr id="4" name="TextBox 3"/>
-          <p:cNvSpPr txBox="1"/>
-          <p:nvPr/>
-        </p:nvSpPr>
-        <p:spPr>
-          <a:xfrm>
-            <a:off x="8529729" y="0"/>
-            <a:ext cx="628698" cy="461665"/>
-          </a:xfrm>
-          <a:prstGeom prst="rect">
-            <a:avLst/>
-          </a:prstGeom>
-          <a:noFill/>
-        </p:spPr>
-        <p:txBody>
-          <a:bodyPr wrap="none" rtlCol="0">
-            <a:spAutoFit/>
-          </a:bodyPr>
-          <a:lstStyle/>
-          <a:p>
-            <a:r>
-              <a:rPr lang="en-GB" sz="2400" b="1" dirty="0">
-                <a:solidFill>
-                  <a:schemeClr val="bg1"/>
-                </a:solidFill>
-              </a:rPr>
-              <a:t>1/5</a:t>
-            </a:r>
-          </a:p>
-        </p:txBody>
-      </p:sp>
     </p:spTree>
     <p:extLst>
       <p:ext uri="{BB962C8B-B14F-4D97-AF65-F5344CB8AC3E}">
-        <p14:creationId xmlns:p14="http://schemas.microsoft.com/office/powerpoint/2010/main" val="335421693"/>
+        <p14:creationId xmlns:p14="http://schemas.microsoft.com/office/powerpoint/2010/main" val="3845474234"/>
       </p:ext>
     </p:extLst>
   </p:cSld>
@@ -5647,127 +5480,10 @@
           <a:chExt cx="0" cy="0"/>
         </a:xfrm>
       </p:grpSpPr>
-      <p:sp>
-        <p:nvSpPr>
-          <p:cNvPr id="3" name="Subtitle 2"/>
-          <p:cNvSpPr>
-            <a:spLocks noGrp="1"/>
-          </p:cNvSpPr>
-          <p:nvPr>
-            <p:ph type="subTitle" idx="1"/>
-          </p:nvPr>
-        </p:nvSpPr>
-        <p:spPr>
-          <a:xfrm>
-            <a:off x="323528" y="0"/>
-            <a:ext cx="8640960" cy="6669360"/>
-          </a:xfrm>
-        </p:spPr>
-        <p:txBody>
-          <a:bodyPr>
-            <a:noAutofit/>
-          </a:bodyPr>
-          <a:lstStyle/>
-          <a:p>
-            <a:r>
-              <a:rPr lang="en-GB" sz="4800" dirty="0">
-                <a:solidFill>
-                  <a:schemeClr val="bg1"/>
-                </a:solidFill>
-              </a:rPr>
-              <a:t>And nothing else matters</a:t>
-            </a:r>
-          </a:p>
-          <a:p>
-            <a:r>
-              <a:rPr lang="en-GB" sz="4800" dirty="0">
-                <a:solidFill>
-                  <a:schemeClr val="bg1"/>
-                </a:solidFill>
-              </a:rPr>
-              <a:t>Nothing in this world will do</a:t>
-            </a:r>
-          </a:p>
-          <a:p>
-            <a:r>
-              <a:rPr lang="en-GB" sz="4800" dirty="0">
-                <a:solidFill>
-                  <a:schemeClr val="bg1"/>
-                </a:solidFill>
-              </a:rPr>
-              <a:t>Jesus You're the </a:t>
-            </a:r>
-            <a:r>
-              <a:rPr lang="en-GB" sz="4800" dirty="0" err="1">
-                <a:solidFill>
-                  <a:schemeClr val="bg1"/>
-                </a:solidFill>
-              </a:rPr>
-              <a:t>center</a:t>
-            </a:r>
-            <a:endParaRPr lang="en-GB" sz="4800" dirty="0">
-              <a:solidFill>
-                <a:schemeClr val="bg1"/>
-              </a:solidFill>
-            </a:endParaRPr>
-          </a:p>
-          <a:p>
-            <a:r>
-              <a:rPr lang="en-GB" sz="4800" dirty="0" err="1">
-                <a:solidFill>
-                  <a:schemeClr val="bg1"/>
-                </a:solidFill>
-              </a:rPr>
-              <a:t>Ev'rything</a:t>
-            </a:r>
-            <a:r>
-              <a:rPr lang="en-GB" sz="4800" dirty="0">
-                <a:solidFill>
-                  <a:schemeClr val="bg1"/>
-                </a:solidFill>
-              </a:rPr>
-              <a:t> revolves around You Jesus You</a:t>
-            </a:r>
-          </a:p>
-        </p:txBody>
-      </p:sp>
-      <p:sp>
-        <p:nvSpPr>
-          <p:cNvPr id="4" name="TextBox 3"/>
-          <p:cNvSpPr txBox="1"/>
-          <p:nvPr/>
-        </p:nvSpPr>
-        <p:spPr>
-          <a:xfrm>
-            <a:off x="8529729" y="0"/>
-            <a:ext cx="628698" cy="461665"/>
-          </a:xfrm>
-          <a:prstGeom prst="rect">
-            <a:avLst/>
-          </a:prstGeom>
-          <a:noFill/>
-        </p:spPr>
-        <p:txBody>
-          <a:bodyPr wrap="none" rtlCol="0">
-            <a:spAutoFit/>
-          </a:bodyPr>
-          <a:lstStyle/>
-          <a:p>
-            <a:r>
-              <a:rPr lang="en-GB" sz="2400" b="1" dirty="0">
-                <a:solidFill>
-                  <a:schemeClr val="bg1"/>
-                </a:solidFill>
-              </a:rPr>
-              <a:t>2/5</a:t>
-            </a:r>
-          </a:p>
-        </p:txBody>
-      </p:sp>
     </p:spTree>
     <p:extLst>
       <p:ext uri="{BB962C8B-B14F-4D97-AF65-F5344CB8AC3E}">
-        <p14:creationId xmlns:p14="http://schemas.microsoft.com/office/powerpoint/2010/main" val="3932131227"/>
+        <p14:creationId xmlns:p14="http://schemas.microsoft.com/office/powerpoint/2010/main" val="28527681"/>
       </p:ext>
     </p:extLst>
   </p:cSld>
@@ -5806,8 +5522,8 @@
         </p:nvSpPr>
         <p:spPr>
           <a:xfrm>
-            <a:off x="323528" y="0"/>
-            <a:ext cx="8640960" cy="6858000"/>
+            <a:off x="323528" y="188640"/>
+            <a:ext cx="8640960" cy="6480720"/>
           </a:xfrm>
         </p:spPr>
         <p:txBody>
@@ -5817,120 +5533,90 @@
           <a:lstStyle/>
           <a:p>
             <a:r>
-              <a:rPr lang="en-GB" sz="4700" dirty="0">
-                <a:solidFill>
-                  <a:schemeClr val="bg1"/>
-                </a:solidFill>
-              </a:rPr>
-              <a:t>Jesus be the </a:t>
-            </a:r>
-            <a:r>
-              <a:rPr lang="en-GB" sz="4700" dirty="0" err="1">
-                <a:solidFill>
-                  <a:schemeClr val="bg1"/>
-                </a:solidFill>
-              </a:rPr>
-              <a:t>center</a:t>
-            </a:r>
-            <a:r>
-              <a:rPr lang="en-GB" sz="4700" dirty="0">
-                <a:solidFill>
-                  <a:schemeClr val="bg1"/>
-                </a:solidFill>
-              </a:rPr>
-              <a:t> of my life</a:t>
-            </a:r>
-          </a:p>
-          <a:p>
-            <a:r>
-              <a:rPr lang="en-GB" sz="4700" dirty="0">
-                <a:solidFill>
-                  <a:schemeClr val="bg1"/>
-                </a:solidFill>
-              </a:rPr>
-              <a:t>Jesus be the </a:t>
-            </a:r>
-            <a:r>
-              <a:rPr lang="en-GB" sz="4700" dirty="0" err="1">
-                <a:solidFill>
-                  <a:schemeClr val="bg1"/>
-                </a:solidFill>
-              </a:rPr>
-              <a:t>center</a:t>
-            </a:r>
-            <a:r>
-              <a:rPr lang="en-GB" sz="4700" dirty="0">
-                <a:solidFill>
-                  <a:schemeClr val="bg1"/>
-                </a:solidFill>
-              </a:rPr>
-              <a:t> of my life</a:t>
-            </a:r>
-          </a:p>
-          <a:p>
-            <a:r>
-              <a:rPr lang="en-GB" sz="4700" dirty="0">
-                <a:solidFill>
-                  <a:schemeClr val="bg1"/>
-                </a:solidFill>
-              </a:rPr>
-              <a:t>From beginning to the end</a:t>
-            </a:r>
-          </a:p>
-          <a:p>
-            <a:r>
-              <a:rPr lang="en-GB" sz="4700" dirty="0">
-                <a:solidFill>
-                  <a:schemeClr val="bg1"/>
-                </a:solidFill>
-              </a:rPr>
-              <a:t>It will always be it's always been You Jesus </a:t>
-            </a:r>
-            <a:r>
-              <a:rPr lang="en-GB" sz="4700" dirty="0" err="1">
-                <a:solidFill>
-                  <a:schemeClr val="bg1"/>
-                </a:solidFill>
-              </a:rPr>
-              <a:t>Jesus</a:t>
-            </a:r>
-            <a:endParaRPr lang="en-GB" sz="4700" dirty="0">
+              <a:rPr lang="en-GB" sz="9600" dirty="0">
+                <a:solidFill>
+                  <a:schemeClr val="bg1"/>
+                </a:solidFill>
+              </a:rPr>
+              <a:t>Jesus at the </a:t>
+            </a:r>
+            <a:r>
+              <a:rPr lang="en-GB" sz="9600" dirty="0" err="1">
+                <a:solidFill>
+                  <a:schemeClr val="bg1"/>
+                </a:solidFill>
+              </a:rPr>
+              <a:t>Center</a:t>
+            </a:r>
+            <a:endParaRPr lang="en-GB" sz="9600" dirty="0">
               <a:solidFill>
                 <a:schemeClr val="bg1"/>
               </a:solidFill>
             </a:endParaRPr>
           </a:p>
-        </p:txBody>
-      </p:sp>
-      <p:sp>
-        <p:nvSpPr>
-          <p:cNvPr id="4" name="TextBox 3"/>
-          <p:cNvSpPr txBox="1"/>
-          <p:nvPr/>
-        </p:nvSpPr>
-        <p:spPr>
-          <a:xfrm>
-            <a:off x="8529729" y="0"/>
-            <a:ext cx="628698" cy="461665"/>
-          </a:xfrm>
-          <a:prstGeom prst="rect">
-            <a:avLst/>
-          </a:prstGeom>
-          <a:noFill/>
-        </p:spPr>
-        <p:txBody>
-          <a:bodyPr wrap="none" rtlCol="0">
-            <a:spAutoFit/>
-          </a:bodyPr>
-          <a:lstStyle/>
-          <a:p>
-            <a:r>
-              <a:rPr lang="en-GB" sz="2400" b="1" dirty="0">
-                <a:solidFill>
-                  <a:schemeClr val="bg1"/>
-                </a:solidFill>
-              </a:rPr>
-              <a:t>3/5</a:t>
+          <a:p>
+            <a:r>
+              <a:rPr lang="en-GB" sz="1200" dirty="0"/>
+              <a:t>CCLI Song # 6115180</a:t>
+            </a:r>
+          </a:p>
+          <a:p>
+            <a:endParaRPr lang="en-GB" sz="1200" dirty="0"/>
+          </a:p>
+          <a:p>
+            <a:r>
+              <a:rPr lang="en-GB" sz="1200" dirty="0"/>
+              <a:t>Adam Ranney | Israel Houghton | Micah Massey</a:t>
+            </a:r>
+          </a:p>
+          <a:p>
+            <a:endParaRPr lang="en-GB" sz="1200" dirty="0"/>
+          </a:p>
+          <a:p>
+            <a:r>
+              <a:rPr lang="en-GB" sz="1200" dirty="0"/>
+              <a:t>© 2011 Integrity Worship Music (Admin. by Integrity Music Ltd)</a:t>
+            </a:r>
+          </a:p>
+          <a:p>
+            <a:r>
+              <a:rPr lang="en-GB" sz="1200" dirty="0"/>
+              <a:t>Integrity's Praise! Music (Admin. by Integrity Music Ltd)</a:t>
+            </a:r>
+          </a:p>
+          <a:p>
+            <a:r>
+              <a:rPr lang="en-GB" sz="1200" dirty="0"/>
+              <a:t>Sound Of The New Breed (Admin. by Integrity Music Ltd)</a:t>
+            </a:r>
+          </a:p>
+          <a:p>
+            <a:r>
+              <a:rPr lang="en-GB" sz="1200" dirty="0"/>
+              <a:t>Heart Anthem Music (Admin. by Song Solutions www.songsolutions.org)</a:t>
+            </a:r>
+          </a:p>
+          <a:p>
+            <a:r>
+              <a:rPr lang="en-GB" sz="1200" dirty="0"/>
+              <a:t>For use solely with the </a:t>
+            </a:r>
+            <a:r>
+              <a:rPr lang="en-GB" sz="1200" dirty="0" err="1"/>
+              <a:t>SongSelect</a:t>
+            </a:r>
+            <a:r>
+              <a:rPr lang="en-GB" sz="1200" dirty="0"/>
+              <a:t>® Terms of Use. All rights reserved. www.ccli.com</a:t>
+            </a:r>
+          </a:p>
+          <a:p>
+            <a:endParaRPr lang="en-GB" sz="1200" dirty="0"/>
+          </a:p>
+          <a:p>
+            <a:r>
+              <a:rPr lang="en-GB" sz="1200" dirty="0"/>
+              <a:t>CCLI Licence No. 33265</a:t>
             </a:r>
           </a:p>
         </p:txBody>
@@ -5938,7 +5624,7 @@
     </p:spTree>
     <p:extLst>
       <p:ext uri="{BB962C8B-B14F-4D97-AF65-F5344CB8AC3E}">
-        <p14:creationId xmlns:p14="http://schemas.microsoft.com/office/powerpoint/2010/main" val="3461571171"/>
+        <p14:creationId xmlns:p14="http://schemas.microsoft.com/office/powerpoint/2010/main" val="563154322"/>
       </p:ext>
     </p:extLst>
   </p:cSld>
@@ -5978,7 +5664,7 @@
         <p:spPr>
           <a:xfrm>
             <a:off x="323528" y="0"/>
-            <a:ext cx="8640960" cy="6858000"/>
+            <a:ext cx="8640960" cy="6669360"/>
           </a:xfrm>
         </p:spPr>
         <p:txBody>
@@ -5988,69 +5674,88 @@
           <a:lstStyle/>
           <a:p>
             <a:r>
-              <a:rPr lang="en-GB" sz="4700" dirty="0">
-                <a:solidFill>
-                  <a:schemeClr val="bg1"/>
-                </a:solidFill>
-              </a:rPr>
-              <a:t>From my heart to the heavens Jesus be the </a:t>
-            </a:r>
-            <a:r>
-              <a:rPr lang="en-GB" sz="4700" dirty="0" err="1">
+              <a:rPr lang="en-GB" sz="5400" dirty="0">
+                <a:solidFill>
+                  <a:schemeClr val="bg1"/>
+                </a:solidFill>
+              </a:rPr>
+              <a:t>Jesus at the </a:t>
+            </a:r>
+            <a:r>
+              <a:rPr lang="en-GB" sz="5400" dirty="0" err="1">
                 <a:solidFill>
                   <a:schemeClr val="bg1"/>
                 </a:solidFill>
               </a:rPr>
               <a:t>center</a:t>
             </a:r>
-            <a:endParaRPr lang="en-GB" sz="4700" dirty="0">
+            <a:r>
+              <a:rPr lang="en-GB" sz="5400" dirty="0">
+                <a:solidFill>
+                  <a:schemeClr val="bg1"/>
+                </a:solidFill>
+              </a:rPr>
+              <a:t> of it all</a:t>
+            </a:r>
+          </a:p>
+          <a:p>
+            <a:r>
+              <a:rPr lang="en-GB" sz="5400" dirty="0">
+                <a:solidFill>
+                  <a:schemeClr val="bg1"/>
+                </a:solidFill>
+              </a:rPr>
+              <a:t>Jesus at the </a:t>
+            </a:r>
+            <a:r>
+              <a:rPr lang="en-GB" sz="5400" dirty="0" err="1">
+                <a:solidFill>
+                  <a:schemeClr val="bg1"/>
+                </a:solidFill>
+              </a:rPr>
+              <a:t>center</a:t>
+            </a:r>
+            <a:r>
+              <a:rPr lang="en-GB" sz="5400" dirty="0">
+                <a:solidFill>
+                  <a:schemeClr val="bg1"/>
+                </a:solidFill>
+              </a:rPr>
+              <a:t> of it all</a:t>
+            </a:r>
+          </a:p>
+          <a:p>
+            <a:r>
+              <a:rPr lang="en-GB" sz="5400" dirty="0">
+                <a:solidFill>
+                  <a:schemeClr val="bg1"/>
+                </a:solidFill>
+              </a:rPr>
+              <a:t>From beginning to the end</a:t>
+            </a:r>
+          </a:p>
+          <a:p>
+            <a:r>
+              <a:rPr lang="en-GB" sz="5400" dirty="0">
+                <a:solidFill>
+                  <a:schemeClr val="bg1"/>
+                </a:solidFill>
+              </a:rPr>
+              <a:t>It will always be it's always been You Jesus </a:t>
+            </a:r>
+            <a:r>
+              <a:rPr lang="en-GB" sz="5400" dirty="0" err="1">
+                <a:solidFill>
+                  <a:schemeClr val="bg1"/>
+                </a:solidFill>
+              </a:rPr>
+              <a:t>Jesus</a:t>
+            </a:r>
+            <a:endParaRPr lang="en-GB" sz="5400" dirty="0">
               <a:solidFill>
                 <a:schemeClr val="bg1"/>
               </a:solidFill>
             </a:endParaRPr>
-          </a:p>
-          <a:p>
-            <a:r>
-              <a:rPr lang="en-GB" sz="4700" dirty="0">
-                <a:solidFill>
-                  <a:schemeClr val="bg1"/>
-                </a:solidFill>
-              </a:rPr>
-              <a:t>It's all about You yes it's all about You</a:t>
-            </a:r>
-          </a:p>
-          <a:p>
-            <a:r>
-              <a:rPr lang="en-GB" sz="4700" dirty="0">
-                <a:solidFill>
-                  <a:schemeClr val="bg1"/>
-                </a:solidFill>
-              </a:rPr>
-              <a:t>From my heart to the heavens Jesus be the </a:t>
-            </a:r>
-            <a:r>
-              <a:rPr lang="en-GB" sz="4700" dirty="0" err="1">
-                <a:solidFill>
-                  <a:schemeClr val="bg1"/>
-                </a:solidFill>
-              </a:rPr>
-              <a:t>center</a:t>
-            </a:r>
-            <a:endParaRPr lang="en-GB" sz="4700" dirty="0">
-              <a:solidFill>
-                <a:schemeClr val="bg1"/>
-              </a:solidFill>
-            </a:endParaRPr>
-          </a:p>
-          <a:p>
-            <a:r>
-              <a:rPr lang="en-GB" sz="4700" dirty="0">
-                <a:solidFill>
-                  <a:schemeClr val="bg1"/>
-                </a:solidFill>
-              </a:rPr>
-              <a:t>It's all about You yes it's all about You</a:t>
-            </a:r>
           </a:p>
         </p:txBody>
       </p:sp>
@@ -6082,7 +5787,7 @@
                   <a:schemeClr val="bg1"/>
                 </a:solidFill>
               </a:rPr>
-              <a:t>4/5</a:t>
+              <a:t>1/5</a:t>
             </a:r>
           </a:p>
         </p:txBody>
@@ -6090,7 +5795,7 @@
     </p:spTree>
     <p:extLst>
       <p:ext uri="{BB962C8B-B14F-4D97-AF65-F5344CB8AC3E}">
-        <p14:creationId xmlns:p14="http://schemas.microsoft.com/office/powerpoint/2010/main" val="2467338979"/>
+        <p14:creationId xmlns:p14="http://schemas.microsoft.com/office/powerpoint/2010/main" val="335421693"/>
       </p:ext>
     </p:extLst>
   </p:cSld>
@@ -6129,8 +5834,8 @@
         </p:nvSpPr>
         <p:spPr>
           <a:xfrm>
-            <a:off x="323528" y="588474"/>
-            <a:ext cx="8640960" cy="6269525"/>
+            <a:off x="323528" y="0"/>
+            <a:ext cx="8640960" cy="6669360"/>
           </a:xfrm>
         </p:spPr>
         <p:txBody>
@@ -6140,106 +5845,63 @@
           <a:lstStyle/>
           <a:p>
             <a:r>
-              <a:rPr lang="en-GB" sz="4700" dirty="0">
-                <a:solidFill>
-                  <a:schemeClr val="bg1"/>
-                </a:solidFill>
-              </a:rPr>
-              <a:t>Jesus be the </a:t>
-            </a:r>
-            <a:r>
-              <a:rPr lang="en-GB" sz="4700" dirty="0" err="1">
+              <a:rPr lang="en-GB" sz="4800" dirty="0">
+                <a:solidFill>
+                  <a:schemeClr val="bg1"/>
+                </a:solidFill>
+              </a:rPr>
+              <a:t>And nothing else matters</a:t>
+            </a:r>
+          </a:p>
+          <a:p>
+            <a:r>
+              <a:rPr lang="en-GB" sz="4800" dirty="0">
+                <a:solidFill>
+                  <a:schemeClr val="bg1"/>
+                </a:solidFill>
+              </a:rPr>
+              <a:t>Nothing in this world will do</a:t>
+            </a:r>
+          </a:p>
+          <a:p>
+            <a:r>
+              <a:rPr lang="en-GB" sz="4800" dirty="0">
+                <a:solidFill>
+                  <a:schemeClr val="bg1"/>
+                </a:solidFill>
+              </a:rPr>
+              <a:t>Jesus You're the </a:t>
+            </a:r>
+            <a:r>
+              <a:rPr lang="en-GB" sz="4800" dirty="0" err="1">
                 <a:solidFill>
                   <a:schemeClr val="bg1"/>
                 </a:solidFill>
               </a:rPr>
               <a:t>center</a:t>
             </a:r>
-            <a:r>
-              <a:rPr lang="en-GB" sz="4700" dirty="0">
-                <a:solidFill>
-                  <a:schemeClr val="bg1"/>
-                </a:solidFill>
-              </a:rPr>
-              <a:t> of Your church</a:t>
-            </a:r>
-          </a:p>
-          <a:p>
-            <a:r>
-              <a:rPr lang="en-GB" sz="4700" dirty="0">
-                <a:solidFill>
-                  <a:schemeClr val="bg1"/>
-                </a:solidFill>
-              </a:rPr>
-              <a:t>Jesus be the </a:t>
-            </a:r>
-            <a:r>
-              <a:rPr lang="en-GB" sz="4700" dirty="0" err="1">
-                <a:solidFill>
-                  <a:schemeClr val="bg1"/>
-                </a:solidFill>
-              </a:rPr>
-              <a:t>center</a:t>
-            </a:r>
-            <a:r>
-              <a:rPr lang="en-GB" sz="4700" dirty="0">
-                <a:solidFill>
-                  <a:schemeClr val="bg1"/>
-                </a:solidFill>
-              </a:rPr>
-              <a:t> of Your church</a:t>
-            </a:r>
-          </a:p>
-          <a:p>
-            <a:r>
-              <a:rPr lang="en-GB" sz="4700" dirty="0">
-                <a:solidFill>
-                  <a:schemeClr val="bg1"/>
-                </a:solidFill>
-              </a:rPr>
-              <a:t>And </a:t>
-            </a:r>
-            <a:r>
-              <a:rPr lang="en-GB" sz="4700" dirty="0" err="1">
-                <a:solidFill>
-                  <a:schemeClr val="bg1"/>
-                </a:solidFill>
-              </a:rPr>
-              <a:t>ev'ry</a:t>
-            </a:r>
-            <a:r>
-              <a:rPr lang="en-GB" sz="4700" dirty="0">
-                <a:solidFill>
-                  <a:schemeClr val="bg1"/>
-                </a:solidFill>
-              </a:rPr>
-              <a:t> knee will bow</a:t>
-            </a:r>
-          </a:p>
-          <a:p>
-            <a:r>
-              <a:rPr lang="en-GB" sz="4700" dirty="0">
-                <a:solidFill>
-                  <a:schemeClr val="bg1"/>
-                </a:solidFill>
-              </a:rPr>
-              <a:t>And </a:t>
-            </a:r>
-            <a:r>
-              <a:rPr lang="en-GB" sz="4700" dirty="0" err="1">
-                <a:solidFill>
-                  <a:schemeClr val="bg1"/>
-                </a:solidFill>
-              </a:rPr>
-              <a:t>ev'ry</a:t>
-            </a:r>
-            <a:r>
-              <a:rPr lang="en-GB" sz="4700" dirty="0">
-                <a:solidFill>
-                  <a:schemeClr val="bg1"/>
-                </a:solidFill>
-              </a:rPr>
-              <a:t> tongue shall confess You</a:t>
+            <a:endParaRPr lang="en-GB" sz="4800" dirty="0">
+              <a:solidFill>
+                <a:schemeClr val="bg1"/>
+              </a:solidFill>
+            </a:endParaRPr>
+          </a:p>
+          <a:p>
+            <a:r>
+              <a:rPr lang="en-GB" sz="4800" dirty="0" err="1">
+                <a:solidFill>
+                  <a:schemeClr val="bg1"/>
+                </a:solidFill>
+              </a:rPr>
+              <a:t>Ev'rything</a:t>
+            </a:r>
+            <a:r>
+              <a:rPr lang="en-GB" sz="4800" dirty="0">
+                <a:solidFill>
+                  <a:schemeClr val="bg1"/>
+                </a:solidFill>
+              </a:rPr>
+              <a:t> revolves around You Jesus You</a:t>
             </a:r>
           </a:p>
         </p:txBody>
@@ -6272,7 +5934,7 @@
                   <a:schemeClr val="bg1"/>
                 </a:solidFill>
               </a:rPr>
-              <a:t>5/5</a:t>
+              <a:t>2/5</a:t>
             </a:r>
           </a:p>
         </p:txBody>
@@ -6280,7 +5942,7 @@
     </p:spTree>
     <p:extLst>
       <p:ext uri="{BB962C8B-B14F-4D97-AF65-F5344CB8AC3E}">
-        <p14:creationId xmlns:p14="http://schemas.microsoft.com/office/powerpoint/2010/main" val="2116406398"/>
+        <p14:creationId xmlns:p14="http://schemas.microsoft.com/office/powerpoint/2010/main" val="3932131227"/>
       </p:ext>
     </p:extLst>
   </p:cSld>
@@ -6445,8 +6107,8 @@
         </p:nvSpPr>
         <p:spPr>
           <a:xfrm>
-            <a:off x="323528" y="188640"/>
-            <a:ext cx="8640960" cy="6480720"/>
+            <a:off x="323528" y="0"/>
+            <a:ext cx="8640960" cy="6858000"/>
           </a:xfrm>
         </p:spPr>
         <p:txBody>
@@ -6455,74 +6117,129 @@
           </a:bodyPr>
           <a:lstStyle/>
           <a:p>
-            <a:endParaRPr lang="en-GB" sz="9600" dirty="0"/>
-          </a:p>
-          <a:p>
-            <a:r>
-              <a:rPr lang="en-GB" sz="9600" dirty="0">
-                <a:solidFill>
-                  <a:schemeClr val="bg1"/>
-                </a:solidFill>
-              </a:rPr>
-              <a:t>The Stand</a:t>
-            </a:r>
-          </a:p>
-          <a:p>
-            <a:r>
-              <a:rPr lang="en-GB" sz="1200" dirty="0"/>
-              <a:t>CCLI Song # 4705248</a:t>
-            </a:r>
-          </a:p>
-          <a:p>
-            <a:endParaRPr lang="en-GB" sz="1200" dirty="0"/>
-          </a:p>
-          <a:p>
-            <a:r>
-              <a:rPr lang="en-GB" sz="1200" dirty="0"/>
-              <a:t>Joel Houston</a:t>
-            </a:r>
-          </a:p>
-          <a:p>
-            <a:endParaRPr lang="en-GB" sz="1200" dirty="0"/>
-          </a:p>
-          <a:p>
-            <a:r>
-              <a:rPr lang="en-GB" sz="1200" dirty="0"/>
-              <a:t>© 2005 Hillsong Music Publishing Australia (Admin. by Hillsong Music Publishing UK)</a:t>
-            </a:r>
-          </a:p>
-          <a:p>
-            <a:r>
-              <a:rPr lang="en-GB" sz="1200" dirty="0"/>
-              <a:t>For use solely with the </a:t>
-            </a:r>
-            <a:r>
-              <a:rPr lang="en-GB" sz="1200" dirty="0" err="1"/>
-              <a:t>SongSelect</a:t>
-            </a:r>
-            <a:r>
-              <a:rPr lang="en-GB" sz="1200" dirty="0"/>
-              <a:t>® Terms of Use. All rights reserved. www.ccli.com</a:t>
-            </a:r>
-          </a:p>
-          <a:p>
-            <a:endParaRPr lang="en-GB" sz="1200" dirty="0"/>
-          </a:p>
-          <a:p>
-            <a:r>
-              <a:rPr lang="en-GB" sz="1200" dirty="0"/>
-              <a:t>CCLI Licence No. 33265</a:t>
-            </a:r>
-          </a:p>
-          <a:p>
-            <a:endParaRPr lang="en-GB" sz="1200" dirty="0"/>
+            <a:r>
+              <a:rPr lang="en-GB" sz="4700" dirty="0">
+                <a:solidFill>
+                  <a:schemeClr val="bg1"/>
+                </a:solidFill>
+              </a:rPr>
+              <a:t>Jesus be the </a:t>
+            </a:r>
+            <a:r>
+              <a:rPr lang="en-GB" sz="4700" dirty="0" err="1">
+                <a:solidFill>
+                  <a:schemeClr val="bg1"/>
+                </a:solidFill>
+              </a:rPr>
+              <a:t>center</a:t>
+            </a:r>
+            <a:r>
+              <a:rPr lang="en-GB" sz="4700" dirty="0">
+                <a:solidFill>
+                  <a:schemeClr val="bg1"/>
+                </a:solidFill>
+              </a:rPr>
+              <a:t> of my life</a:t>
+            </a:r>
+          </a:p>
+          <a:p>
+            <a:r>
+              <a:rPr lang="en-GB" sz="4700" dirty="0">
+                <a:solidFill>
+                  <a:schemeClr val="bg1"/>
+                </a:solidFill>
+              </a:rPr>
+              <a:t>Jesus be the </a:t>
+            </a:r>
+            <a:r>
+              <a:rPr lang="en-GB" sz="4700" dirty="0" err="1">
+                <a:solidFill>
+                  <a:schemeClr val="bg1"/>
+                </a:solidFill>
+              </a:rPr>
+              <a:t>center</a:t>
+            </a:r>
+            <a:r>
+              <a:rPr lang="en-GB" sz="4700" dirty="0">
+                <a:solidFill>
+                  <a:schemeClr val="bg1"/>
+                </a:solidFill>
+              </a:rPr>
+              <a:t> of my life</a:t>
+            </a:r>
+          </a:p>
+          <a:p>
+            <a:r>
+              <a:rPr lang="en-GB" sz="4700" dirty="0">
+                <a:solidFill>
+                  <a:schemeClr val="bg1"/>
+                </a:solidFill>
+              </a:rPr>
+              <a:t>From beginning to the end</a:t>
+            </a:r>
+          </a:p>
+          <a:p>
+            <a:r>
+              <a:rPr lang="en-GB" sz="4700" dirty="0">
+                <a:solidFill>
+                  <a:schemeClr val="bg1"/>
+                </a:solidFill>
+              </a:rPr>
+              <a:t>It will always be it's always been You Jesus </a:t>
+            </a:r>
+            <a:r>
+              <a:rPr lang="en-GB" sz="4700" dirty="0" err="1">
+                <a:solidFill>
+                  <a:schemeClr val="bg1"/>
+                </a:solidFill>
+              </a:rPr>
+              <a:t>Jesus</a:t>
+            </a:r>
+            <a:endParaRPr lang="en-GB" sz="4700" dirty="0">
+              <a:solidFill>
+                <a:schemeClr val="bg1"/>
+              </a:solidFill>
+            </a:endParaRPr>
+          </a:p>
+        </p:txBody>
+      </p:sp>
+      <p:sp>
+        <p:nvSpPr>
+          <p:cNvPr id="4" name="TextBox 3"/>
+          <p:cNvSpPr txBox="1"/>
+          <p:nvPr/>
+        </p:nvSpPr>
+        <p:spPr>
+          <a:xfrm>
+            <a:off x="8529729" y="0"/>
+            <a:ext cx="628698" cy="461665"/>
+          </a:xfrm>
+          <a:prstGeom prst="rect">
+            <a:avLst/>
+          </a:prstGeom>
+          <a:noFill/>
+        </p:spPr>
+        <p:txBody>
+          <a:bodyPr wrap="none" rtlCol="0">
+            <a:spAutoFit/>
+          </a:bodyPr>
+          <a:lstStyle/>
+          <a:p>
+            <a:r>
+              <a:rPr lang="en-GB" sz="2400" b="1" dirty="0">
+                <a:solidFill>
+                  <a:schemeClr val="bg1"/>
+                </a:solidFill>
+              </a:rPr>
+              <a:t>3/5</a:t>
+            </a:r>
           </a:p>
         </p:txBody>
       </p:sp>
     </p:spTree>
     <p:extLst>
       <p:ext uri="{BB962C8B-B14F-4D97-AF65-F5344CB8AC3E}">
-        <p14:creationId xmlns:p14="http://schemas.microsoft.com/office/powerpoint/2010/main" val="3308045615"/>
+        <p14:creationId xmlns:p14="http://schemas.microsoft.com/office/powerpoint/2010/main" val="3461571171"/>
       </p:ext>
     </p:extLst>
   </p:cSld>
@@ -6561,8 +6278,8 @@
         </p:nvSpPr>
         <p:spPr>
           <a:xfrm>
-            <a:off x="323528" y="188640"/>
-            <a:ext cx="8640960" cy="6480720"/>
+            <a:off x="323528" y="0"/>
+            <a:ext cx="8640960" cy="6858000"/>
           </a:xfrm>
         </p:spPr>
         <p:txBody>
@@ -6572,42 +6289,68 @@
           <a:lstStyle/>
           <a:p>
             <a:r>
-              <a:rPr lang="en-GB" sz="5400" dirty="0">
-                <a:solidFill>
-                  <a:schemeClr val="bg1"/>
-                </a:solidFill>
-              </a:rPr>
-              <a:t>You stood before creation</a:t>
-            </a:r>
-          </a:p>
-          <a:p>
-            <a:r>
-              <a:rPr lang="en-GB" sz="5400" dirty="0">
-                <a:solidFill>
-                  <a:schemeClr val="bg1"/>
-                </a:solidFill>
-              </a:rPr>
-              <a:t>Eternity in Your hand</a:t>
-            </a:r>
-          </a:p>
-          <a:p>
-            <a:r>
-              <a:rPr lang="en-GB" sz="5400" dirty="0">
-                <a:solidFill>
-                  <a:schemeClr val="bg1"/>
-                </a:solidFill>
-              </a:rPr>
-              <a:t>You spoke the earth into motion</a:t>
-            </a:r>
-          </a:p>
-          <a:p>
-            <a:r>
-              <a:rPr lang="en-GB" sz="5400" dirty="0">
-                <a:solidFill>
-                  <a:schemeClr val="bg1"/>
-                </a:solidFill>
-              </a:rPr>
-              <a:t>My soul now to stan</a:t>
+              <a:rPr lang="en-GB" sz="4700" dirty="0">
+                <a:solidFill>
+                  <a:schemeClr val="bg1"/>
+                </a:solidFill>
+              </a:rPr>
+              <a:t>From my heart to the heavens Jesus be the </a:t>
+            </a:r>
+            <a:r>
+              <a:rPr lang="en-GB" sz="4700" dirty="0" err="1">
+                <a:solidFill>
+                  <a:schemeClr val="bg1"/>
+                </a:solidFill>
+              </a:rPr>
+              <a:t>center</a:t>
+            </a:r>
+            <a:endParaRPr lang="en-GB" sz="4700" dirty="0">
+              <a:solidFill>
+                <a:schemeClr val="bg1"/>
+              </a:solidFill>
+            </a:endParaRPr>
+          </a:p>
+          <a:p>
+            <a:r>
+              <a:rPr lang="en-GB" sz="4700" dirty="0">
+                <a:solidFill>
+                  <a:schemeClr val="bg1"/>
+                </a:solidFill>
+              </a:rPr>
+              <a:t>It's all about You yes it's all about You</a:t>
+            </a:r>
+          </a:p>
+          <a:p>
+            <a:r>
+              <a:rPr lang="en-GB" sz="4700" dirty="0">
+                <a:solidFill>
+                  <a:schemeClr val="bg1"/>
+                </a:solidFill>
+              </a:rPr>
+              <a:t>From my heart to the heavens Jesus be the </a:t>
+            </a:r>
+            <a:r>
+              <a:rPr lang="en-GB" sz="4700" dirty="0" err="1">
+                <a:solidFill>
+                  <a:schemeClr val="bg1"/>
+                </a:solidFill>
+              </a:rPr>
+              <a:t>center</a:t>
+            </a:r>
+            <a:endParaRPr lang="en-GB" sz="4700" dirty="0">
+              <a:solidFill>
+                <a:schemeClr val="bg1"/>
+              </a:solidFill>
+            </a:endParaRPr>
+          </a:p>
+          <a:p>
+            <a:r>
+              <a:rPr lang="en-GB" sz="4700" dirty="0">
+                <a:solidFill>
+                  <a:schemeClr val="bg1"/>
+                </a:solidFill>
+              </a:rPr>
+              <a:t>It's all about You yes it's all about You</a:t>
             </a:r>
           </a:p>
         </p:txBody>
@@ -6640,7 +6383,7 @@
                   <a:schemeClr val="bg1"/>
                 </a:solidFill>
               </a:rPr>
-              <a:t>1/6</a:t>
+              <a:t>4/5</a:t>
             </a:r>
           </a:p>
         </p:txBody>
@@ -6648,7 +6391,7 @@
     </p:spTree>
     <p:extLst>
       <p:ext uri="{BB962C8B-B14F-4D97-AF65-F5344CB8AC3E}">
-        <p14:creationId xmlns:p14="http://schemas.microsoft.com/office/powerpoint/2010/main" val="163130024"/>
+        <p14:creationId xmlns:p14="http://schemas.microsoft.com/office/powerpoint/2010/main" val="2467338979"/>
       </p:ext>
     </p:extLst>
   </p:cSld>
@@ -6687,8 +6430,8 @@
         </p:nvSpPr>
         <p:spPr>
           <a:xfrm>
-            <a:off x="323528" y="188640"/>
-            <a:ext cx="8640960" cy="6480720"/>
+            <a:off x="323528" y="588474"/>
+            <a:ext cx="8640960" cy="6269525"/>
           </a:xfrm>
         </p:spPr>
         <p:txBody>
@@ -6698,70 +6441,106 @@
           <a:lstStyle/>
           <a:p>
             <a:r>
-              <a:rPr lang="en-GB" sz="5400" dirty="0">
-                <a:solidFill>
-                  <a:schemeClr val="bg1"/>
-                </a:solidFill>
-              </a:rPr>
-              <a:t>I know who God says I am What He says I am</a:t>
-            </a:r>
-          </a:p>
-          <a:p>
-            <a:r>
-              <a:rPr lang="en-GB" sz="5400" dirty="0">
-                <a:solidFill>
-                  <a:schemeClr val="bg1"/>
-                </a:solidFill>
-              </a:rPr>
-              <a:t>Where He says </a:t>
-            </a:r>
-            <a:r>
-              <a:rPr lang="en-GB" sz="5400" dirty="0" err="1">
-                <a:solidFill>
-                  <a:schemeClr val="bg1"/>
-                </a:solidFill>
-              </a:rPr>
-              <a:t>I’am</a:t>
-            </a:r>
-            <a:r>
-              <a:rPr lang="en-GB" sz="5400" dirty="0">
-                <a:solidFill>
-                  <a:schemeClr val="bg1"/>
-                </a:solidFill>
-              </a:rPr>
-              <a:t> at </a:t>
-            </a:r>
-          </a:p>
-          <a:p>
-            <a:r>
-              <a:rPr lang="en-GB" sz="5400" dirty="0">
-                <a:solidFill>
-                  <a:schemeClr val="bg1"/>
-                </a:solidFill>
-              </a:rPr>
-              <a:t>I know who I am</a:t>
-            </a:r>
-            <a:br>
-              <a:rPr lang="en-GB" sz="5400" dirty="0">
-                <a:solidFill>
-                  <a:schemeClr val="bg1"/>
-                </a:solidFill>
-              </a:rPr>
-            </a:br>
-            <a:br>
-              <a:rPr lang="en-GB" sz="5400" dirty="0">
-                <a:solidFill>
-                  <a:schemeClr val="bg1"/>
-                </a:solidFill>
-              </a:rPr>
-            </a:br>
-            <a:r>
-              <a:rPr lang="en-GB" sz="5400" dirty="0">
-                <a:solidFill>
-                  <a:schemeClr val="bg1"/>
-                </a:solidFill>
-              </a:rPr>
-              <a:t>(REPEAT)</a:t>
+              <a:rPr lang="en-GB" sz="4700" dirty="0">
+                <a:solidFill>
+                  <a:schemeClr val="bg1"/>
+                </a:solidFill>
+              </a:rPr>
+              <a:t>Jesus be the </a:t>
+            </a:r>
+            <a:r>
+              <a:rPr lang="en-GB" sz="4700" dirty="0" err="1">
+                <a:solidFill>
+                  <a:schemeClr val="bg1"/>
+                </a:solidFill>
+              </a:rPr>
+              <a:t>center</a:t>
+            </a:r>
+            <a:r>
+              <a:rPr lang="en-GB" sz="4700" dirty="0">
+                <a:solidFill>
+                  <a:schemeClr val="bg1"/>
+                </a:solidFill>
+              </a:rPr>
+              <a:t> of Your church</a:t>
+            </a:r>
+          </a:p>
+          <a:p>
+            <a:r>
+              <a:rPr lang="en-GB" sz="4700" dirty="0">
+                <a:solidFill>
+                  <a:schemeClr val="bg1"/>
+                </a:solidFill>
+              </a:rPr>
+              <a:t>Jesus be the </a:t>
+            </a:r>
+            <a:r>
+              <a:rPr lang="en-GB" sz="4700" dirty="0" err="1">
+                <a:solidFill>
+                  <a:schemeClr val="bg1"/>
+                </a:solidFill>
+              </a:rPr>
+              <a:t>center</a:t>
+            </a:r>
+            <a:r>
+              <a:rPr lang="en-GB" sz="4700" dirty="0">
+                <a:solidFill>
+                  <a:schemeClr val="bg1"/>
+                </a:solidFill>
+              </a:rPr>
+              <a:t> of Your church</a:t>
+            </a:r>
+          </a:p>
+          <a:p>
+            <a:r>
+              <a:rPr lang="en-GB" sz="4700" dirty="0">
+                <a:solidFill>
+                  <a:schemeClr val="bg1"/>
+                </a:solidFill>
+              </a:rPr>
+              <a:t>And </a:t>
+            </a:r>
+            <a:r>
+              <a:rPr lang="en-GB" sz="4700" dirty="0" err="1">
+                <a:solidFill>
+                  <a:schemeClr val="bg1"/>
+                </a:solidFill>
+              </a:rPr>
+              <a:t>ev'ry</a:t>
+            </a:r>
+            <a:r>
+              <a:rPr lang="en-GB" sz="4700" dirty="0">
+                <a:solidFill>
+                  <a:schemeClr val="bg1"/>
+                </a:solidFill>
+              </a:rPr>
+              <a:t> knee will bow</a:t>
+            </a:r>
+          </a:p>
+          <a:p>
+            <a:r>
+              <a:rPr lang="en-GB" sz="4700" dirty="0">
+                <a:solidFill>
+                  <a:schemeClr val="bg1"/>
+                </a:solidFill>
+              </a:rPr>
+              <a:t>And </a:t>
+            </a:r>
+            <a:r>
+              <a:rPr lang="en-GB" sz="4700" dirty="0" err="1">
+                <a:solidFill>
+                  <a:schemeClr val="bg1"/>
+                </a:solidFill>
+              </a:rPr>
+              <a:t>ev'ry</a:t>
+            </a:r>
+            <a:r>
+              <a:rPr lang="en-GB" sz="4700" dirty="0">
+                <a:solidFill>
+                  <a:schemeClr val="bg1"/>
+                </a:solidFill>
+              </a:rPr>
+              <a:t> tongue shall confess You</a:t>
             </a:r>
           </a:p>
         </p:txBody>
@@ -6794,7 +6573,7 @@
                   <a:schemeClr val="bg1"/>
                 </a:solidFill>
               </a:rPr>
-              <a:t>2/6</a:t>
+              <a:t>5/5</a:t>
             </a:r>
           </a:p>
         </p:txBody>
@@ -6802,7 +6581,7 @@
     </p:spTree>
     <p:extLst>
       <p:ext uri="{BB962C8B-B14F-4D97-AF65-F5344CB8AC3E}">
-        <p14:creationId xmlns:p14="http://schemas.microsoft.com/office/powerpoint/2010/main" val="564552926"/>
+        <p14:creationId xmlns:p14="http://schemas.microsoft.com/office/powerpoint/2010/main" val="2116406398"/>
       </p:ext>
     </p:extLst>
   </p:cSld>
@@ -6851,84 +6630,74 @@
           </a:bodyPr>
           <a:lstStyle/>
           <a:p>
-            <a:r>
-              <a:rPr lang="en-GB" sz="5400" dirty="0">
-                <a:solidFill>
-                  <a:schemeClr val="bg1"/>
-                </a:solidFill>
-              </a:rPr>
-              <a:t>You stood before my failure</a:t>
-            </a:r>
-          </a:p>
-          <a:p>
-            <a:r>
-              <a:rPr lang="en-GB" sz="5400" dirty="0">
-                <a:solidFill>
-                  <a:schemeClr val="bg1"/>
-                </a:solidFill>
-              </a:rPr>
-              <a:t>And carried the cross for my shame</a:t>
-            </a:r>
-          </a:p>
-          <a:p>
-            <a:r>
-              <a:rPr lang="en-GB" sz="5400" dirty="0">
-                <a:solidFill>
-                  <a:schemeClr val="bg1"/>
-                </a:solidFill>
-              </a:rPr>
-              <a:t>My sin weighed upon Your shoulders</a:t>
-            </a:r>
-          </a:p>
-          <a:p>
-            <a:r>
-              <a:rPr lang="en-GB" sz="5400" dirty="0">
-                <a:solidFill>
-                  <a:schemeClr val="bg1"/>
-                </a:solidFill>
-              </a:rPr>
-              <a:t>My soul now to stand</a:t>
-            </a:r>
-          </a:p>
-        </p:txBody>
-      </p:sp>
-      <p:sp>
-        <p:nvSpPr>
-          <p:cNvPr id="4" name="TextBox 3"/>
-          <p:cNvSpPr txBox="1"/>
-          <p:nvPr/>
-        </p:nvSpPr>
-        <p:spPr>
-          <a:xfrm>
-            <a:off x="8529729" y="0"/>
-            <a:ext cx="628698" cy="461665"/>
-          </a:xfrm>
-          <a:prstGeom prst="rect">
-            <a:avLst/>
-          </a:prstGeom>
-          <a:noFill/>
-        </p:spPr>
-        <p:txBody>
-          <a:bodyPr wrap="none" rtlCol="0">
-            <a:spAutoFit/>
-          </a:bodyPr>
-          <a:lstStyle/>
-          <a:p>
-            <a:r>
-              <a:rPr lang="en-GB" sz="2400" b="1" dirty="0">
-                <a:solidFill>
-                  <a:schemeClr val="bg1"/>
-                </a:solidFill>
-              </a:rPr>
-              <a:t>3/6</a:t>
-            </a:r>
+            <a:endParaRPr lang="en-GB" sz="9600" dirty="0"/>
+          </a:p>
+          <a:p>
+            <a:r>
+              <a:rPr lang="en-GB" sz="9600" dirty="0">
+                <a:solidFill>
+                  <a:schemeClr val="bg1"/>
+                </a:solidFill>
+              </a:rPr>
+              <a:t>The Stand</a:t>
+            </a:r>
+          </a:p>
+          <a:p>
+            <a:r>
+              <a:rPr lang="en-GB" sz="1200" dirty="0"/>
+              <a:t>CCLI Song # 4705248</a:t>
+            </a:r>
+          </a:p>
+          <a:p>
+            <a:endParaRPr lang="en-GB" sz="1200" dirty="0"/>
+          </a:p>
+          <a:p>
+            <a:r>
+              <a:rPr lang="en-GB" sz="1200" dirty="0"/>
+              <a:t>Joel Houston</a:t>
+            </a:r>
+          </a:p>
+          <a:p>
+            <a:endParaRPr lang="en-GB" sz="1200" dirty="0"/>
+          </a:p>
+          <a:p>
+            <a:r>
+              <a:rPr lang="en-GB" sz="1200" dirty="0"/>
+              <a:t>© 2005 Hillsong Music Publishing Australia (Admin. by Hillsong Music Publishing UK)</a:t>
+            </a:r>
+          </a:p>
+          <a:p>
+            <a:r>
+              <a:rPr lang="en-GB" sz="1200" dirty="0"/>
+              <a:t>For use solely with the </a:t>
+            </a:r>
+            <a:r>
+              <a:rPr lang="en-GB" sz="1200" dirty="0" err="1"/>
+              <a:t>SongSelect</a:t>
+            </a:r>
+            <a:r>
+              <a:rPr lang="en-GB" sz="1200" dirty="0"/>
+              <a:t>® Terms of Use. All rights reserved. www.ccli.com</a:t>
+            </a:r>
+          </a:p>
+          <a:p>
+            <a:endParaRPr lang="en-GB" sz="1200" dirty="0"/>
+          </a:p>
+          <a:p>
+            <a:r>
+              <a:rPr lang="en-GB" sz="1200" dirty="0"/>
+              <a:t>CCLI Licence No. 33265</a:t>
+            </a:r>
+          </a:p>
+          <a:p>
+            <a:endParaRPr lang="en-GB" sz="1200" dirty="0"/>
           </a:p>
         </p:txBody>
       </p:sp>
     </p:spTree>
     <p:extLst>
       <p:ext uri="{BB962C8B-B14F-4D97-AF65-F5344CB8AC3E}">
-        <p14:creationId xmlns:p14="http://schemas.microsoft.com/office/powerpoint/2010/main" val="1120616589"/>
+        <p14:creationId xmlns:p14="http://schemas.microsoft.com/office/powerpoint/2010/main" val="3308045615"/>
       </p:ext>
     </p:extLst>
   </p:cSld>
@@ -6983,7 +6752,7 @@
                   <a:schemeClr val="bg1"/>
                 </a:solidFill>
               </a:rPr>
-              <a:t>So what can I say</a:t>
+              <a:t>You stood before creation</a:t>
             </a:r>
           </a:p>
           <a:p>
@@ -6993,7 +6762,7 @@
                   <a:schemeClr val="bg1"/>
                 </a:solidFill>
               </a:rPr>
-              <a:t>And what can I do</a:t>
+              <a:t>Eternity in Your hand</a:t>
             </a:r>
           </a:p>
           <a:p>
@@ -7003,7 +6772,7 @@
                   <a:schemeClr val="bg1"/>
                 </a:solidFill>
               </a:rPr>
-              <a:t>But offer this heart O God</a:t>
+              <a:t>You spoke the earth into motion</a:t>
             </a:r>
           </a:p>
           <a:p>
@@ -7013,7 +6782,7 @@
                   <a:schemeClr val="bg1"/>
                 </a:solidFill>
               </a:rPr>
-              <a:t>Completely to You</a:t>
+              <a:t>My soul now to stan</a:t>
             </a:r>
           </a:p>
         </p:txBody>
@@ -7046,7 +6815,7 @@
                   <a:schemeClr val="bg1"/>
                 </a:solidFill>
               </a:rPr>
-              <a:t>4/6</a:t>
+              <a:t>1/6</a:t>
             </a:r>
           </a:p>
         </p:txBody>
@@ -7054,7 +6823,7 @@
     </p:spTree>
     <p:extLst>
       <p:ext uri="{BB962C8B-B14F-4D97-AF65-F5344CB8AC3E}">
-        <p14:creationId xmlns:p14="http://schemas.microsoft.com/office/powerpoint/2010/main" val="4066357541"/>
+        <p14:creationId xmlns:p14="http://schemas.microsoft.com/office/powerpoint/2010/main" val="163130024"/>
       </p:ext>
     </p:extLst>
   </p:cSld>
@@ -7109,6 +6878,412 @@
                   <a:schemeClr val="bg1"/>
                 </a:solidFill>
               </a:rPr>
+              <a:t>I know who God says I am What He says I am</a:t>
+            </a:r>
+          </a:p>
+          <a:p>
+            <a:r>
+              <a:rPr lang="en-GB" sz="5400" dirty="0">
+                <a:solidFill>
+                  <a:schemeClr val="bg1"/>
+                </a:solidFill>
+              </a:rPr>
+              <a:t>Where He says </a:t>
+            </a:r>
+            <a:r>
+              <a:rPr lang="en-GB" sz="5400" dirty="0" err="1">
+                <a:solidFill>
+                  <a:schemeClr val="bg1"/>
+                </a:solidFill>
+              </a:rPr>
+              <a:t>I’am</a:t>
+            </a:r>
+            <a:r>
+              <a:rPr lang="en-GB" sz="5400" dirty="0">
+                <a:solidFill>
+                  <a:schemeClr val="bg1"/>
+                </a:solidFill>
+              </a:rPr>
+              <a:t> at </a:t>
+            </a:r>
+          </a:p>
+          <a:p>
+            <a:r>
+              <a:rPr lang="en-GB" sz="5400" dirty="0">
+                <a:solidFill>
+                  <a:schemeClr val="bg1"/>
+                </a:solidFill>
+              </a:rPr>
+              <a:t>I know who I am</a:t>
+            </a:r>
+            <a:br>
+              <a:rPr lang="en-GB" sz="5400" dirty="0">
+                <a:solidFill>
+                  <a:schemeClr val="bg1"/>
+                </a:solidFill>
+              </a:rPr>
+            </a:br>
+            <a:br>
+              <a:rPr lang="en-GB" sz="5400" dirty="0">
+                <a:solidFill>
+                  <a:schemeClr val="bg1"/>
+                </a:solidFill>
+              </a:rPr>
+            </a:br>
+            <a:r>
+              <a:rPr lang="en-GB" sz="5400" dirty="0">
+                <a:solidFill>
+                  <a:schemeClr val="bg1"/>
+                </a:solidFill>
+              </a:rPr>
+              <a:t>(REPEAT)</a:t>
+            </a:r>
+          </a:p>
+        </p:txBody>
+      </p:sp>
+      <p:sp>
+        <p:nvSpPr>
+          <p:cNvPr id="4" name="TextBox 3"/>
+          <p:cNvSpPr txBox="1"/>
+          <p:nvPr/>
+        </p:nvSpPr>
+        <p:spPr>
+          <a:xfrm>
+            <a:off x="8529729" y="0"/>
+            <a:ext cx="628698" cy="461665"/>
+          </a:xfrm>
+          <a:prstGeom prst="rect">
+            <a:avLst/>
+          </a:prstGeom>
+          <a:noFill/>
+        </p:spPr>
+        <p:txBody>
+          <a:bodyPr wrap="none" rtlCol="0">
+            <a:spAutoFit/>
+          </a:bodyPr>
+          <a:lstStyle/>
+          <a:p>
+            <a:r>
+              <a:rPr lang="en-GB" sz="2400" b="1" dirty="0">
+                <a:solidFill>
+                  <a:schemeClr val="bg1"/>
+                </a:solidFill>
+              </a:rPr>
+              <a:t>2/6</a:t>
+            </a:r>
+          </a:p>
+        </p:txBody>
+      </p:sp>
+    </p:spTree>
+    <p:extLst>
+      <p:ext uri="{BB962C8B-B14F-4D97-AF65-F5344CB8AC3E}">
+        <p14:creationId xmlns:p14="http://schemas.microsoft.com/office/powerpoint/2010/main" val="564552926"/>
+      </p:ext>
+    </p:extLst>
+  </p:cSld>
+  <p:clrMapOvr>
+    <a:masterClrMapping/>
+  </p:clrMapOvr>
+</p:sld>
+</file>
+
+<file path=ppt/slides/slide36.xml><?xml version="1.0" encoding="utf-8"?>
+<p:sld xmlns:a="http://schemas.openxmlformats.org/drawingml/2006/main" xmlns:r="http://schemas.openxmlformats.org/officeDocument/2006/relationships" xmlns:p="http://schemas.openxmlformats.org/presentationml/2006/main">
+  <p:cSld>
+    <p:spTree>
+      <p:nvGrpSpPr>
+        <p:cNvPr id="1" name=""/>
+        <p:cNvGrpSpPr/>
+        <p:nvPr/>
+      </p:nvGrpSpPr>
+      <p:grpSpPr>
+        <a:xfrm>
+          <a:off x="0" y="0"/>
+          <a:ext cx="0" cy="0"/>
+          <a:chOff x="0" y="0"/>
+          <a:chExt cx="0" cy="0"/>
+        </a:xfrm>
+      </p:grpSpPr>
+      <p:sp>
+        <p:nvSpPr>
+          <p:cNvPr id="3" name="Subtitle 2"/>
+          <p:cNvSpPr>
+            <a:spLocks noGrp="1"/>
+          </p:cNvSpPr>
+          <p:nvPr>
+            <p:ph type="subTitle" idx="1"/>
+          </p:nvPr>
+        </p:nvSpPr>
+        <p:spPr>
+          <a:xfrm>
+            <a:off x="323528" y="188640"/>
+            <a:ext cx="8640960" cy="6480720"/>
+          </a:xfrm>
+        </p:spPr>
+        <p:txBody>
+          <a:bodyPr>
+            <a:noAutofit/>
+          </a:bodyPr>
+          <a:lstStyle/>
+          <a:p>
+            <a:r>
+              <a:rPr lang="en-GB" sz="5400" dirty="0">
+                <a:solidFill>
+                  <a:schemeClr val="bg1"/>
+                </a:solidFill>
+              </a:rPr>
+              <a:t>You stood before my failure</a:t>
+            </a:r>
+          </a:p>
+          <a:p>
+            <a:r>
+              <a:rPr lang="en-GB" sz="5400" dirty="0">
+                <a:solidFill>
+                  <a:schemeClr val="bg1"/>
+                </a:solidFill>
+              </a:rPr>
+              <a:t>And carried the cross for my shame</a:t>
+            </a:r>
+          </a:p>
+          <a:p>
+            <a:r>
+              <a:rPr lang="en-GB" sz="5400" dirty="0">
+                <a:solidFill>
+                  <a:schemeClr val="bg1"/>
+                </a:solidFill>
+              </a:rPr>
+              <a:t>My sin weighed upon Your shoulders</a:t>
+            </a:r>
+          </a:p>
+          <a:p>
+            <a:r>
+              <a:rPr lang="en-GB" sz="5400" dirty="0">
+                <a:solidFill>
+                  <a:schemeClr val="bg1"/>
+                </a:solidFill>
+              </a:rPr>
+              <a:t>My soul now to stand</a:t>
+            </a:r>
+          </a:p>
+        </p:txBody>
+      </p:sp>
+      <p:sp>
+        <p:nvSpPr>
+          <p:cNvPr id="4" name="TextBox 3"/>
+          <p:cNvSpPr txBox="1"/>
+          <p:nvPr/>
+        </p:nvSpPr>
+        <p:spPr>
+          <a:xfrm>
+            <a:off x="8529729" y="0"/>
+            <a:ext cx="628698" cy="461665"/>
+          </a:xfrm>
+          <a:prstGeom prst="rect">
+            <a:avLst/>
+          </a:prstGeom>
+          <a:noFill/>
+        </p:spPr>
+        <p:txBody>
+          <a:bodyPr wrap="none" rtlCol="0">
+            <a:spAutoFit/>
+          </a:bodyPr>
+          <a:lstStyle/>
+          <a:p>
+            <a:r>
+              <a:rPr lang="en-GB" sz="2400" b="1" dirty="0">
+                <a:solidFill>
+                  <a:schemeClr val="bg1"/>
+                </a:solidFill>
+              </a:rPr>
+              <a:t>3/6</a:t>
+            </a:r>
+          </a:p>
+        </p:txBody>
+      </p:sp>
+    </p:spTree>
+    <p:extLst>
+      <p:ext uri="{BB962C8B-B14F-4D97-AF65-F5344CB8AC3E}">
+        <p14:creationId xmlns:p14="http://schemas.microsoft.com/office/powerpoint/2010/main" val="1120616589"/>
+      </p:ext>
+    </p:extLst>
+  </p:cSld>
+  <p:clrMapOvr>
+    <a:masterClrMapping/>
+  </p:clrMapOvr>
+</p:sld>
+</file>
+
+<file path=ppt/slides/slide37.xml><?xml version="1.0" encoding="utf-8"?>
+<p:sld xmlns:a="http://schemas.openxmlformats.org/drawingml/2006/main" xmlns:r="http://schemas.openxmlformats.org/officeDocument/2006/relationships" xmlns:p="http://schemas.openxmlformats.org/presentationml/2006/main">
+  <p:cSld>
+    <p:spTree>
+      <p:nvGrpSpPr>
+        <p:cNvPr id="1" name=""/>
+        <p:cNvGrpSpPr/>
+        <p:nvPr/>
+      </p:nvGrpSpPr>
+      <p:grpSpPr>
+        <a:xfrm>
+          <a:off x="0" y="0"/>
+          <a:ext cx="0" cy="0"/>
+          <a:chOff x="0" y="0"/>
+          <a:chExt cx="0" cy="0"/>
+        </a:xfrm>
+      </p:grpSpPr>
+      <p:sp>
+        <p:nvSpPr>
+          <p:cNvPr id="3" name="Subtitle 2"/>
+          <p:cNvSpPr>
+            <a:spLocks noGrp="1"/>
+          </p:cNvSpPr>
+          <p:nvPr>
+            <p:ph type="subTitle" idx="1"/>
+          </p:nvPr>
+        </p:nvSpPr>
+        <p:spPr>
+          <a:xfrm>
+            <a:off x="323528" y="188640"/>
+            <a:ext cx="8640960" cy="6480720"/>
+          </a:xfrm>
+        </p:spPr>
+        <p:txBody>
+          <a:bodyPr>
+            <a:noAutofit/>
+          </a:bodyPr>
+          <a:lstStyle/>
+          <a:p>
+            <a:r>
+              <a:rPr lang="en-GB" sz="5400" dirty="0">
+                <a:solidFill>
+                  <a:schemeClr val="bg1"/>
+                </a:solidFill>
+              </a:rPr>
+              <a:t>So what can I say</a:t>
+            </a:r>
+          </a:p>
+          <a:p>
+            <a:r>
+              <a:rPr lang="en-GB" sz="5400" dirty="0">
+                <a:solidFill>
+                  <a:schemeClr val="bg1"/>
+                </a:solidFill>
+              </a:rPr>
+              <a:t>And what can I do</a:t>
+            </a:r>
+          </a:p>
+          <a:p>
+            <a:r>
+              <a:rPr lang="en-GB" sz="5400" dirty="0">
+                <a:solidFill>
+                  <a:schemeClr val="bg1"/>
+                </a:solidFill>
+              </a:rPr>
+              <a:t>But offer this heart O God</a:t>
+            </a:r>
+          </a:p>
+          <a:p>
+            <a:r>
+              <a:rPr lang="en-GB" sz="5400" dirty="0">
+                <a:solidFill>
+                  <a:schemeClr val="bg1"/>
+                </a:solidFill>
+              </a:rPr>
+              <a:t>Completely to You</a:t>
+            </a:r>
+          </a:p>
+        </p:txBody>
+      </p:sp>
+      <p:sp>
+        <p:nvSpPr>
+          <p:cNvPr id="4" name="TextBox 3"/>
+          <p:cNvSpPr txBox="1"/>
+          <p:nvPr/>
+        </p:nvSpPr>
+        <p:spPr>
+          <a:xfrm>
+            <a:off x="8529729" y="0"/>
+            <a:ext cx="628698" cy="461665"/>
+          </a:xfrm>
+          <a:prstGeom prst="rect">
+            <a:avLst/>
+          </a:prstGeom>
+          <a:noFill/>
+        </p:spPr>
+        <p:txBody>
+          <a:bodyPr wrap="none" rtlCol="0">
+            <a:spAutoFit/>
+          </a:bodyPr>
+          <a:lstStyle/>
+          <a:p>
+            <a:r>
+              <a:rPr lang="en-GB" sz="2400" b="1" dirty="0">
+                <a:solidFill>
+                  <a:schemeClr val="bg1"/>
+                </a:solidFill>
+              </a:rPr>
+              <a:t>4/6</a:t>
+            </a:r>
+          </a:p>
+        </p:txBody>
+      </p:sp>
+    </p:spTree>
+    <p:extLst>
+      <p:ext uri="{BB962C8B-B14F-4D97-AF65-F5344CB8AC3E}">
+        <p14:creationId xmlns:p14="http://schemas.microsoft.com/office/powerpoint/2010/main" val="4066357541"/>
+      </p:ext>
+    </p:extLst>
+  </p:cSld>
+  <p:clrMapOvr>
+    <a:masterClrMapping/>
+  </p:clrMapOvr>
+</p:sld>
+</file>
+
+<file path=ppt/slides/slide38.xml><?xml version="1.0" encoding="utf-8"?>
+<p:sld xmlns:a="http://schemas.openxmlformats.org/drawingml/2006/main" xmlns:r="http://schemas.openxmlformats.org/officeDocument/2006/relationships" xmlns:p="http://schemas.openxmlformats.org/presentationml/2006/main">
+  <p:cSld>
+    <p:spTree>
+      <p:nvGrpSpPr>
+        <p:cNvPr id="1" name=""/>
+        <p:cNvGrpSpPr/>
+        <p:nvPr/>
+      </p:nvGrpSpPr>
+      <p:grpSpPr>
+        <a:xfrm>
+          <a:off x="0" y="0"/>
+          <a:ext cx="0" cy="0"/>
+          <a:chOff x="0" y="0"/>
+          <a:chExt cx="0" cy="0"/>
+        </a:xfrm>
+      </p:grpSpPr>
+      <p:sp>
+        <p:nvSpPr>
+          <p:cNvPr id="3" name="Subtitle 2"/>
+          <p:cNvSpPr>
+            <a:spLocks noGrp="1"/>
+          </p:cNvSpPr>
+          <p:nvPr>
+            <p:ph type="subTitle" idx="1"/>
+          </p:nvPr>
+        </p:nvSpPr>
+        <p:spPr>
+          <a:xfrm>
+            <a:off x="323528" y="188640"/>
+            <a:ext cx="8640960" cy="6480720"/>
+          </a:xfrm>
+        </p:spPr>
+        <p:txBody>
+          <a:bodyPr>
+            <a:noAutofit/>
+          </a:bodyPr>
+          <a:lstStyle/>
+          <a:p>
+            <a:r>
+              <a:rPr lang="en-GB" sz="5400" dirty="0">
+                <a:solidFill>
+                  <a:schemeClr val="bg1"/>
+                </a:solidFill>
+              </a:rPr>
               <a:t>So I'll walk upon salvation</a:t>
             </a:r>
           </a:p>
@@ -7190,7 +7365,7 @@
 </p:sld>
 </file>
 
-<file path=ppt/slides/slide36.xml><?xml version="1.0" encoding="utf-8"?>
+<file path=ppt/slides/slide39.xml><?xml version="1.0" encoding="utf-8"?>
 <p:sld xmlns:a="http://schemas.openxmlformats.org/drawingml/2006/main" xmlns:r="http://schemas.openxmlformats.org/officeDocument/2006/relationships" xmlns:p="http://schemas.openxmlformats.org/presentationml/2006/main">
   <p:cSld>
     <p:spTree>
